--- a/lecture-materials/DeveloperTools/codeGuru/Amazon_CodeGuru.pptx
+++ b/lecture-materials/DeveloperTools/codeGuru/Amazon_CodeGuru.pptx
@@ -820,7 +820,7 @@
           <a:p>
             <a:fld id="{A92BA741-1B8A-4D43-B99B-7B809FC086EC}" type="datetimeFigureOut">
               <a:rPr lang="en-CH" smtClean="0"/>
-              <a:t>03.12.2023</a:t>
+              <a:t>15.04.2024</a:t>
             </a:fld>
             <a:endParaRPr lang="en-CH"/>
           </a:p>
@@ -1030,7 +1030,7 @@
           <a:p>
             <a:fld id="{A92BA741-1B8A-4D43-B99B-7B809FC086EC}" type="datetimeFigureOut">
               <a:rPr lang="en-CH" smtClean="0"/>
-              <a:t>03.12.2023</a:t>
+              <a:t>15.04.2024</a:t>
             </a:fld>
             <a:endParaRPr lang="en-CH"/>
           </a:p>
@@ -1250,7 +1250,7 @@
           <a:p>
             <a:fld id="{A92BA741-1B8A-4D43-B99B-7B809FC086EC}" type="datetimeFigureOut">
               <a:rPr lang="en-CH" smtClean="0"/>
-              <a:t>03.12.2023</a:t>
+              <a:t>15.04.2024</a:t>
             </a:fld>
             <a:endParaRPr lang="en-CH"/>
           </a:p>
@@ -1827,7 +1827,7 @@
           <a:p>
             <a:fld id="{A92BA741-1B8A-4D43-B99B-7B809FC086EC}" type="datetimeFigureOut">
               <a:rPr lang="en-CH" smtClean="0"/>
-              <a:t>03.12.2023</a:t>
+              <a:t>15.04.2024</a:t>
             </a:fld>
             <a:endParaRPr lang="en-CH"/>
           </a:p>
@@ -2113,7 +2113,7 @@
           <a:p>
             <a:fld id="{A92BA741-1B8A-4D43-B99B-7B809FC086EC}" type="datetimeFigureOut">
               <a:rPr lang="en-CH" smtClean="0"/>
-              <a:t>03.12.2023</a:t>
+              <a:t>15.04.2024</a:t>
             </a:fld>
             <a:endParaRPr lang="en-CH"/>
           </a:p>
@@ -2391,7 +2391,7 @@
           <a:p>
             <a:fld id="{A92BA741-1B8A-4D43-B99B-7B809FC086EC}" type="datetimeFigureOut">
               <a:rPr lang="en-CH" smtClean="0"/>
-              <a:t>03.12.2023</a:t>
+              <a:t>15.04.2024</a:t>
             </a:fld>
             <a:endParaRPr lang="en-CH"/>
           </a:p>
@@ -2816,7 +2816,7 @@
           <a:p>
             <a:fld id="{A92BA741-1B8A-4D43-B99B-7B809FC086EC}" type="datetimeFigureOut">
               <a:rPr lang="en-CH" smtClean="0"/>
-              <a:t>03.12.2023</a:t>
+              <a:t>15.04.2024</a:t>
             </a:fld>
             <a:endParaRPr lang="en-CH"/>
           </a:p>
@@ -2968,7 +2968,7 @@
           <a:p>
             <a:fld id="{A92BA741-1B8A-4D43-B99B-7B809FC086EC}" type="datetimeFigureOut">
               <a:rPr lang="en-CH" smtClean="0"/>
-              <a:t>03.12.2023</a:t>
+              <a:t>15.04.2024</a:t>
             </a:fld>
             <a:endParaRPr lang="en-CH"/>
           </a:p>
@@ -3091,7 +3091,7 @@
           <a:p>
             <a:fld id="{A92BA741-1B8A-4D43-B99B-7B809FC086EC}" type="datetimeFigureOut">
               <a:rPr lang="en-CH" smtClean="0"/>
-              <a:t>03.12.2023</a:t>
+              <a:t>15.04.2024</a:t>
             </a:fld>
             <a:endParaRPr lang="en-CH"/>
           </a:p>
@@ -3413,7 +3413,7 @@
           <a:p>
             <a:fld id="{A92BA741-1B8A-4D43-B99B-7B809FC086EC}" type="datetimeFigureOut">
               <a:rPr lang="en-CH" smtClean="0"/>
-              <a:t>03.12.2023</a:t>
+              <a:t>15.04.2024</a:t>
             </a:fld>
             <a:endParaRPr lang="en-CH"/>
           </a:p>
@@ -3712,7 +3712,7 @@
           <a:p>
             <a:fld id="{A92BA741-1B8A-4D43-B99B-7B809FC086EC}" type="datetimeFigureOut">
               <a:rPr lang="en-CH" smtClean="0"/>
-              <a:t>03.12.2023</a:t>
+              <a:t>15.04.2024</a:t>
             </a:fld>
             <a:endParaRPr lang="en-CH"/>
           </a:p>
@@ -3965,7 +3965,7 @@
           <a:p>
             <a:fld id="{A92BA741-1B8A-4D43-B99B-7B809FC086EC}" type="datetimeFigureOut">
               <a:rPr lang="en-CH" smtClean="0"/>
-              <a:t>03.12.2023</a:t>
+              <a:t>15.04.2024</a:t>
             </a:fld>
             <a:endParaRPr lang="en-CH"/>
           </a:p>
